--- a/DuckTrophy/Docs/Presentations/M1_GameEngine.pptx
+++ b/DuckTrophy/Docs/Presentations/M1_GameEngine.pptx
@@ -6774,7 +6774,7 @@
             </a:pPr>
             <a:r>
               <a:rPr lang="en-CA" dirty="0"/>
-              <a:t>Tube Engine</a:t>
+              <a:t>Duck Trophy Engine</a:t>
             </a:r>
             <a:endParaRPr dirty="0"/>
           </a:p>
@@ -7047,7 +7047,7 @@
           <a:p>
             <a:r>
               <a:rPr lang="en-CA" dirty="0"/>
-              <a:t>Tube Engine is a tool used to design and create 2D games.</a:t>
+              <a:t>Duck Trophy Engine is a tool used to design and create 2D games.</a:t>
             </a:r>
           </a:p>
           <a:p>
@@ -7141,8 +7141,8 @@
         </p:nvSpPr>
         <p:spPr>
           <a:xfrm>
-            <a:off x="1319400" y="1617145"/>
-            <a:ext cx="3252600" cy="2593347"/>
+            <a:off x="1319399" y="1617145"/>
+            <a:ext cx="5928566" cy="2593347"/>
           </a:xfrm>
           <a:prstGeom prst="rect">
             <a:avLst/>
@@ -7162,6 +7162,12 @@
           <a:p>
             <a:r>
               <a:rPr lang="en-CA" dirty="0"/>
+              <a:t>Timer</a:t>
+            </a:r>
+          </a:p>
+          <a:p>
+            <a:r>
+              <a:rPr lang="en-CA" dirty="0"/>
               <a:t>Audio Component</a:t>
             </a:r>
           </a:p>
@@ -7174,19 +7180,13 @@
           <a:p>
             <a:r>
               <a:rPr lang="en-CA" dirty="0"/>
-              <a:t>Scene Graph Component</a:t>
+              <a:t>Scene Graph Component (not fully implemented)</a:t>
             </a:r>
           </a:p>
           <a:p>
             <a:r>
               <a:rPr lang="en-CA" dirty="0"/>
               <a:t>Transform Component</a:t>
-            </a:r>
-          </a:p>
-          <a:p>
-            <a:r>
-              <a:rPr lang="en-CA" dirty="0"/>
-              <a:t>Manage Game Objects</a:t>
             </a:r>
           </a:p>
           <a:p>
@@ -7296,7 +7296,7 @@
             </a:pPr>
             <a:r>
               <a:rPr lang="en-US" dirty="0"/>
-              <a:t>Updating the Wreck out engine of last semester from a scratch.</a:t>
+              <a:t>Restarting the engine from scratch since the engine from last semester was unusable.</a:t>
             </a:r>
           </a:p>
           <a:p>
@@ -7312,7 +7312,7 @@
             </a:pPr>
             <a:r>
               <a:rPr lang="en-US" dirty="0"/>
-              <a:t>Troubling with what Professor actually wants and what we actually made it.</a:t>
+              <a:t>Using the implement libraries into our project.</a:t>
             </a:r>
           </a:p>
           <a:p>
@@ -7328,8 +7328,34 @@
             </a:pPr>
             <a:r>
               <a:rPr lang="en-US" dirty="0"/>
-              <a:t>Integrating and working over the complex code we never knew we would be working on this semester.</a:t>
+              <a:t>GitHub Conflicts.</a:t>
             </a:r>
+          </a:p>
+          <a:p>
+            <a:pPr marL="457200" lvl="0" indent="-342900" algn="l" rtl="0">
+              <a:spcBef>
+                <a:spcPts val="0"/>
+              </a:spcBef>
+              <a:spcAft>
+                <a:spcPts val="0"/>
+              </a:spcAft>
+              <a:buSzPts val="1800"/>
+              <a:buChar char="●"/>
+            </a:pPr>
+            <a:endParaRPr lang="en-US" dirty="0"/>
+          </a:p>
+          <a:p>
+            <a:pPr marL="457200" lvl="0" indent="-342900" algn="l" rtl="0">
+              <a:spcBef>
+                <a:spcPts val="0"/>
+              </a:spcBef>
+              <a:spcAft>
+                <a:spcPts val="0"/>
+              </a:spcAft>
+              <a:buSzPts val="1800"/>
+              <a:buChar char="●"/>
+            </a:pPr>
+            <a:endParaRPr lang="en-US" dirty="0"/>
           </a:p>
         </p:txBody>
       </p:sp>
